--- a/lcspto_v4_assets.pptx
+++ b/lcspto_v4_assets.pptx
@@ -5,9 +5,10 @@
     <p:sldMasterId id="2147483648" r:id="rId1"/>
   </p:sldMasterIdLst>
   <p:sldIdLst>
-    <p:sldId id="256" r:id="rId2"/>
-    <p:sldId id="257" r:id="rId3"/>
-    <p:sldId id="258" r:id="rId4"/>
+    <p:sldId id="260" r:id="rId2"/>
+    <p:sldId id="256" r:id="rId3"/>
+    <p:sldId id="257" r:id="rId4"/>
+    <p:sldId id="258" r:id="rId5"/>
   </p:sldIdLst>
   <p:sldSz cx="12192000" cy="6858000"/>
   <p:notesSz cx="6858000" cy="9144000"/>
@@ -106,6 +107,11 @@
       </a:defRPr>
     </a:lvl9pPr>
   </p:defaultTextStyle>
+  <p:extLst>
+    <p:ext uri="{EFAFB233-063F-42B5-8137-9DF3F51BA10A}">
+      <p15:sldGuideLst xmlns:p15="http://schemas.microsoft.com/office/powerpoint/2012/main"/>
+    </p:ext>
+  </p:extLst>
 </p:presentation>
 </file>
 
@@ -240,7 +246,7 @@
           <a:p>
             <a:fld id="{791532B6-10B6-4376-9892-4342C14C94C9}" type="datetimeFigureOut">
               <a:rPr lang="en-US" smtClean="0"/>
-              <a:t>2/3/2013</a:t>
+              <a:t>12/20/2013</a:t>
             </a:fld>
             <a:endParaRPr lang="en-US"/>
           </a:p>
@@ -410,7 +416,7 @@
           <a:p>
             <a:fld id="{791532B6-10B6-4376-9892-4342C14C94C9}" type="datetimeFigureOut">
               <a:rPr lang="en-US" smtClean="0"/>
-              <a:t>2/3/2013</a:t>
+              <a:t>12/20/2013</a:t>
             </a:fld>
             <a:endParaRPr lang="en-US"/>
           </a:p>
@@ -590,7 +596,7 @@
           <a:p>
             <a:fld id="{791532B6-10B6-4376-9892-4342C14C94C9}" type="datetimeFigureOut">
               <a:rPr lang="en-US" smtClean="0"/>
-              <a:t>2/3/2013</a:t>
+              <a:t>12/20/2013</a:t>
             </a:fld>
             <a:endParaRPr lang="en-US"/>
           </a:p>
@@ -760,7 +766,7 @@
           <a:p>
             <a:fld id="{791532B6-10B6-4376-9892-4342C14C94C9}" type="datetimeFigureOut">
               <a:rPr lang="en-US" smtClean="0"/>
-              <a:t>2/3/2013</a:t>
+              <a:t>12/20/2013</a:t>
             </a:fld>
             <a:endParaRPr lang="en-US"/>
           </a:p>
@@ -1006,7 +1012,7 @@
           <a:p>
             <a:fld id="{791532B6-10B6-4376-9892-4342C14C94C9}" type="datetimeFigureOut">
               <a:rPr lang="en-US" smtClean="0"/>
-              <a:t>2/3/2013</a:t>
+              <a:t>12/20/2013</a:t>
             </a:fld>
             <a:endParaRPr lang="en-US"/>
           </a:p>
@@ -1238,7 +1244,7 @@
           <a:p>
             <a:fld id="{791532B6-10B6-4376-9892-4342C14C94C9}" type="datetimeFigureOut">
               <a:rPr lang="en-US" smtClean="0"/>
-              <a:t>2/3/2013</a:t>
+              <a:t>12/20/2013</a:t>
             </a:fld>
             <a:endParaRPr lang="en-US"/>
           </a:p>
@@ -1605,7 +1611,7 @@
           <a:p>
             <a:fld id="{791532B6-10B6-4376-9892-4342C14C94C9}" type="datetimeFigureOut">
               <a:rPr lang="en-US" smtClean="0"/>
-              <a:t>2/3/2013</a:t>
+              <a:t>12/20/2013</a:t>
             </a:fld>
             <a:endParaRPr lang="en-US"/>
           </a:p>
@@ -1723,7 +1729,7 @@
           <a:p>
             <a:fld id="{791532B6-10B6-4376-9892-4342C14C94C9}" type="datetimeFigureOut">
               <a:rPr lang="en-US" smtClean="0"/>
-              <a:t>2/3/2013</a:t>
+              <a:t>12/20/2013</a:t>
             </a:fld>
             <a:endParaRPr lang="en-US"/>
           </a:p>
@@ -1818,7 +1824,7 @@
           <a:p>
             <a:fld id="{791532B6-10B6-4376-9892-4342C14C94C9}" type="datetimeFigureOut">
               <a:rPr lang="en-US" smtClean="0"/>
-              <a:t>2/3/2013</a:t>
+              <a:t>12/20/2013</a:t>
             </a:fld>
             <a:endParaRPr lang="en-US"/>
           </a:p>
@@ -2095,7 +2101,7 @@
           <a:p>
             <a:fld id="{791532B6-10B6-4376-9892-4342C14C94C9}" type="datetimeFigureOut">
               <a:rPr lang="en-US" smtClean="0"/>
-              <a:t>2/3/2013</a:t>
+              <a:t>12/20/2013</a:t>
             </a:fld>
             <a:endParaRPr lang="en-US"/>
           </a:p>
@@ -2348,7 +2354,7 @@
           <a:p>
             <a:fld id="{791532B6-10B6-4376-9892-4342C14C94C9}" type="datetimeFigureOut">
               <a:rPr lang="en-US" smtClean="0"/>
-              <a:t>2/3/2013</a:t>
+              <a:t>12/20/2013</a:t>
             </a:fld>
             <a:endParaRPr lang="en-US"/>
           </a:p>
@@ -2561,7 +2567,7 @@
           <a:p>
             <a:fld id="{791532B6-10B6-4376-9892-4342C14C94C9}" type="datetimeFigureOut">
               <a:rPr lang="en-US" smtClean="0"/>
-              <a:t>2/3/2013</a:t>
+              <a:t>12/20/2013</a:t>
             </a:fld>
             <a:endParaRPr lang="en-US"/>
           </a:p>
@@ -2988,6 +2994,156 @@
         </p:blipFill>
         <p:spPr>
           <a:xfrm>
+            <a:off x="5124526" y="1238091"/>
+            <a:ext cx="4513152" cy="1480242"/>
+          </a:xfrm>
+          <a:prstGeom prst="rect">
+            <a:avLst/>
+          </a:prstGeom>
+        </p:spPr>
+      </p:pic>
+      <p:pic>
+        <p:nvPicPr>
+          <p:cNvPr id="5" name="Picture 4"/>
+          <p:cNvPicPr>
+            <a:picLocks noChangeAspect="1"/>
+          </p:cNvPicPr>
+          <p:nvPr/>
+        </p:nvPicPr>
+        <p:blipFill>
+          <a:blip r:embed="rId3" cstate="print">
+            <a:extLst>
+              <a:ext uri="{28A0092B-C50C-407E-A947-70E740481C1C}">
+                <a14:useLocalDpi xmlns:a14="http://schemas.microsoft.com/office/drawing/2010/main" val="0"/>
+              </a:ext>
+            </a:extLst>
+          </a:blip>
+          <a:stretch>
+            <a:fillRect/>
+          </a:stretch>
+        </p:blipFill>
+        <p:spPr>
+          <a:xfrm>
+            <a:off x="699931" y="768820"/>
+            <a:ext cx="3328657" cy="1949513"/>
+          </a:xfrm>
+          <a:prstGeom prst="rect">
+            <a:avLst/>
+          </a:prstGeom>
+        </p:spPr>
+      </p:pic>
+      <p:pic>
+        <p:nvPicPr>
+          <p:cNvPr id="6" name="Picture 5"/>
+          <p:cNvPicPr>
+            <a:picLocks noChangeAspect="1"/>
+          </p:cNvPicPr>
+          <p:nvPr/>
+        </p:nvPicPr>
+        <p:blipFill>
+          <a:blip r:embed="rId4" cstate="print">
+            <a:extLst>
+              <a:ext uri="{28A0092B-C50C-407E-A947-70E740481C1C}">
+                <a14:useLocalDpi xmlns:a14="http://schemas.microsoft.com/office/drawing/2010/main" val="0"/>
+              </a:ext>
+            </a:extLst>
+          </a:blip>
+          <a:stretch>
+            <a:fillRect/>
+          </a:stretch>
+        </p:blipFill>
+        <p:spPr>
+          <a:xfrm>
+            <a:off x="7739384" y="4039959"/>
+            <a:ext cx="1898294" cy="1419149"/>
+          </a:xfrm>
+          <a:prstGeom prst="rect">
+            <a:avLst/>
+          </a:prstGeom>
+        </p:spPr>
+      </p:pic>
+      <p:pic>
+        <p:nvPicPr>
+          <p:cNvPr id="7" name="Picture 6"/>
+          <p:cNvPicPr>
+            <a:picLocks noChangeAspect="1"/>
+          </p:cNvPicPr>
+          <p:nvPr/>
+        </p:nvPicPr>
+        <p:blipFill>
+          <a:blip r:embed="rId5" cstate="print">
+            <a:extLst>
+              <a:ext uri="{28A0092B-C50C-407E-A947-70E740481C1C}">
+                <a14:useLocalDpi xmlns:a14="http://schemas.microsoft.com/office/drawing/2010/main" val="0"/>
+              </a:ext>
+            </a:extLst>
+          </a:blip>
+          <a:stretch>
+            <a:fillRect/>
+          </a:stretch>
+        </p:blipFill>
+        <p:spPr>
+          <a:xfrm>
+            <a:off x="699931" y="3133515"/>
+            <a:ext cx="4063450" cy="2365651"/>
+          </a:xfrm>
+          <a:prstGeom prst="rect">
+            <a:avLst/>
+          </a:prstGeom>
+        </p:spPr>
+      </p:pic>
+    </p:spTree>
+    <p:extLst>
+      <p:ext uri="{BB962C8B-B14F-4D97-AF65-F5344CB8AC3E}">
+        <p14:creationId xmlns:p14="http://schemas.microsoft.com/office/powerpoint/2010/main" val="519486102"/>
+      </p:ext>
+    </p:extLst>
+  </p:cSld>
+  <p:clrMapOvr>
+    <a:masterClrMapping/>
+  </p:clrMapOvr>
+</p:sld>
+</file>
+
+<file path=ppt/slides/slide2.xml><?xml version="1.0" encoding="utf-8"?>
+<p:sld xmlns:a="http://schemas.openxmlformats.org/drawingml/2006/main" xmlns:r="http://schemas.openxmlformats.org/officeDocument/2006/relationships" xmlns:p="http://schemas.openxmlformats.org/presentationml/2006/main">
+  <p:cSld>
+    <p:spTree>
+      <p:nvGrpSpPr>
+        <p:cNvPr id="1" name=""/>
+        <p:cNvGrpSpPr/>
+        <p:nvPr/>
+      </p:nvGrpSpPr>
+      <p:grpSpPr>
+        <a:xfrm>
+          <a:off x="0" y="0"/>
+          <a:ext cx="0" cy="0"/>
+          <a:chOff x="0" y="0"/>
+          <a:chExt cx="0" cy="0"/>
+        </a:xfrm>
+      </p:grpSpPr>
+      <p:pic>
+        <p:nvPicPr>
+          <p:cNvPr id="4" name="Picture 3"/>
+          <p:cNvPicPr>
+            <a:picLocks noChangeAspect="1"/>
+          </p:cNvPicPr>
+          <p:nvPr/>
+        </p:nvPicPr>
+        <p:blipFill>
+          <a:blip r:embed="rId2" cstate="print">
+            <a:extLst>
+              <a:ext uri="{28A0092B-C50C-407E-A947-70E740481C1C}">
+                <a14:useLocalDpi xmlns:a14="http://schemas.microsoft.com/office/drawing/2010/main" val="0"/>
+              </a:ext>
+            </a:extLst>
+          </a:blip>
+          <a:stretch>
+            <a:fillRect/>
+          </a:stretch>
+        </p:blipFill>
+        <p:spPr>
+          <a:xfrm>
             <a:off x="392211" y="5256634"/>
             <a:ext cx="2593293" cy="1177116"/>
           </a:xfrm>
@@ -3196,7 +3352,7 @@
 </p:sld>
 </file>
 
-<file path=ppt/slides/slide2.xml><?xml version="1.0" encoding="utf-8"?>
+<file path=ppt/slides/slide3.xml><?xml version="1.0" encoding="utf-8"?>
 <p:sld xmlns:a="http://schemas.openxmlformats.org/drawingml/2006/main" xmlns:r="http://schemas.openxmlformats.org/officeDocument/2006/relationships" xmlns:p="http://schemas.openxmlformats.org/presentationml/2006/main">
   <p:cSld>
     <p:spTree>
@@ -3323,7 +3479,7 @@
 </p:sld>
 </file>
 
-<file path=ppt/slides/slide3.xml><?xml version="1.0" encoding="utf-8"?>
+<file path=ppt/slides/slide4.xml><?xml version="1.0" encoding="utf-8"?>
 <p:sld xmlns:a="http://schemas.openxmlformats.org/drawingml/2006/main" xmlns:r="http://schemas.openxmlformats.org/officeDocument/2006/relationships" xmlns:p="http://schemas.openxmlformats.org/presentationml/2006/main">
   <p:cSld>
     <p:spTree>
